--- a/BDD.pptx
+++ b/BDD.pptx
@@ -4,6 +4,9 @@
   <p:sldMasterIdLst>
     <p:sldMasterId id="2147483725" r:id="rId1"/>
   </p:sldMasterIdLst>
+  <p:notesMasterIdLst>
+    <p:notesMasterId r:id="rId11"/>
+  </p:notesMasterIdLst>
   <p:sldIdLst>
     <p:sldId id="256" r:id="rId2"/>
     <p:sldId id="259" r:id="rId3"/>
@@ -13,6 +16,7 @@
     <p:sldId id="261" r:id="rId7"/>
     <p:sldId id="262" r:id="rId8"/>
     <p:sldId id="263" r:id="rId9"/>
+    <p:sldId id="264" r:id="rId10"/>
   </p:sldIdLst>
   <p:sldSz cx="12192000" cy="6858000"/>
   <p:notesSz cx="6858000" cy="9144000"/>
@@ -111,7 +115,977 @@
       </a:defRPr>
     </a:lvl9pPr>
   </p:defaultTextStyle>
+  <p:extLst>
+    <p:ext uri="{521415D9-36F7-43E2-AB2F-B90AF26B5E84}">
+      <p14:sectionLst xmlns:p14="http://schemas.microsoft.com/office/powerpoint/2010/main">
+        <p14:section name="Default Section" id="{BD89F8BF-4784-43F0-B1B5-38A4D7FEBDA7}">
+          <p14:sldIdLst>
+            <p14:sldId id="256"/>
+          </p14:sldIdLst>
+        </p14:section>
+        <p14:section name="Untitled Section" id="{DE0BFC3D-5279-4E2B-8CDD-2EEA3591BD34}">
+          <p14:sldIdLst>
+            <p14:sldId id="259"/>
+            <p14:sldId id="257"/>
+            <p14:sldId id="258"/>
+            <p14:sldId id="260"/>
+            <p14:sldId id="261"/>
+            <p14:sldId id="262"/>
+            <p14:sldId id="263"/>
+            <p14:sldId id="264"/>
+          </p14:sldIdLst>
+        </p14:section>
+      </p14:sectionLst>
+    </p:ext>
+    <p:ext uri="{EFAFB233-063F-42B5-8137-9DF3F51BA10A}">
+      <p15:sldGuideLst xmlns:p15="http://schemas.microsoft.com/office/powerpoint/2012/main"/>
+    </p:ext>
+  </p:extLst>
 </p:presentation>
+</file>
+
+<file path=ppt/commentAuthors.xml><?xml version="1.0" encoding="utf-8"?>
+<p:cmAuthorLst xmlns:a="http://schemas.openxmlformats.org/drawingml/2006/main" xmlns:r="http://schemas.openxmlformats.org/officeDocument/2006/relationships" xmlns:p="http://schemas.openxmlformats.org/presentationml/2006/main">
+  <p:cmAuthor id="1" name="Koirala, Kiran [Global Data and Content]" initials="KK[DaC" lastIdx="1" clrIdx="0">
+    <p:extLst>
+      <p:ext uri="{19B8F6BF-5375-455C-9EA6-DF929625EA0E}">
+        <p15:presenceInfo xmlns:p15="http://schemas.microsoft.com/office/powerpoint/2012/main" userId="S-1-5-21-3555999962-3574683646-3644223561-64757" providerId="AD"/>
+      </p:ext>
+    </p:extLst>
+  </p:cmAuthor>
+</p:cmAuthorLst>
+</file>
+
+<file path=ppt/comments/comment1.xml><?xml version="1.0" encoding="utf-8"?>
+<p:cmLst xmlns:a="http://schemas.openxmlformats.org/drawingml/2006/main" xmlns:r="http://schemas.openxmlformats.org/officeDocument/2006/relationships" xmlns:p="http://schemas.openxmlformats.org/presentationml/2006/main">
+  <p:cm authorId="1" dt="2018-04-27T10:24:07.973" idx="1">
+    <p:pos x="10" y="10"/>
+    <p:text/>
+    <p:extLst>
+      <p:ext uri="{C676402C-5697-4E1C-873F-D02D1690AC5C}">
+        <p15:threadingInfo xmlns:p15="http://schemas.microsoft.com/office/powerpoint/2012/main" timeZoneBias="300"/>
+      </p:ext>
+    </p:extLst>
+  </p:cm>
+</p:cmLst>
+</file>
+
+<file path=ppt/notesMasters/notesMaster1.xml><?xml version="1.0" encoding="utf-8"?>
+<p:notesMaster xmlns:a="http://schemas.openxmlformats.org/drawingml/2006/main" xmlns:r="http://schemas.openxmlformats.org/officeDocument/2006/relationships" xmlns:p="http://schemas.openxmlformats.org/presentationml/2006/main">
+  <p:cSld>
+    <p:bg>
+      <p:bgRef idx="1001">
+        <a:schemeClr val="bg1"/>
+      </p:bgRef>
+    </p:bg>
+    <p:spTree>
+      <p:nvGrpSpPr>
+        <p:cNvPr id="1" name=""/>
+        <p:cNvGrpSpPr/>
+        <p:nvPr/>
+      </p:nvGrpSpPr>
+      <p:grpSpPr>
+        <a:xfrm>
+          <a:off x="0" y="0"/>
+          <a:ext cx="0" cy="0"/>
+          <a:chOff x="0" y="0"/>
+          <a:chExt cx="0" cy="0"/>
+        </a:xfrm>
+      </p:grpSpPr>
+      <p:sp>
+        <p:nvSpPr>
+          <p:cNvPr id="2" name="Header Placeholder 1"/>
+          <p:cNvSpPr>
+            <a:spLocks noGrp="1"/>
+          </p:cNvSpPr>
+          <p:nvPr>
+            <p:ph type="hdr" sz="quarter"/>
+          </p:nvPr>
+        </p:nvSpPr>
+        <p:spPr>
+          <a:xfrm>
+            <a:off x="0" y="0"/>
+            <a:ext cx="2971800" cy="458788"/>
+          </a:xfrm>
+          <a:prstGeom prst="rect">
+            <a:avLst/>
+          </a:prstGeom>
+        </p:spPr>
+        <p:txBody>
+          <a:bodyPr vert="horz" lIns="91440" tIns="45720" rIns="91440" bIns="45720" rtlCol="0"/>
+          <a:lstStyle>
+            <a:lvl1pPr algn="l">
+              <a:defRPr sz="1200"/>
+            </a:lvl1pPr>
+          </a:lstStyle>
+          <a:p>
+            <a:endParaRPr lang="en-US"/>
+          </a:p>
+        </p:txBody>
+      </p:sp>
+      <p:sp>
+        <p:nvSpPr>
+          <p:cNvPr id="3" name="Date Placeholder 2"/>
+          <p:cNvSpPr>
+            <a:spLocks noGrp="1"/>
+          </p:cNvSpPr>
+          <p:nvPr>
+            <p:ph type="dt" idx="1"/>
+          </p:nvPr>
+        </p:nvSpPr>
+        <p:spPr>
+          <a:xfrm>
+            <a:off x="3884613" y="0"/>
+            <a:ext cx="2971800" cy="458788"/>
+          </a:xfrm>
+          <a:prstGeom prst="rect">
+            <a:avLst/>
+          </a:prstGeom>
+        </p:spPr>
+        <p:txBody>
+          <a:bodyPr vert="horz" lIns="91440" tIns="45720" rIns="91440" bIns="45720" rtlCol="0"/>
+          <a:lstStyle>
+            <a:lvl1pPr algn="r">
+              <a:defRPr sz="1200"/>
+            </a:lvl1pPr>
+          </a:lstStyle>
+          <a:p>
+            <a:fld id="{6EFE1FB6-F185-4694-AA05-8E0EE1D3F066}" type="datetimeFigureOut">
+              <a:rPr lang="en-US" smtClean="0"/>
+              <a:t>4/27/2018</a:t>
+            </a:fld>
+            <a:endParaRPr lang="en-US"/>
+          </a:p>
+        </p:txBody>
+      </p:sp>
+      <p:sp>
+        <p:nvSpPr>
+          <p:cNvPr id="4" name="Slide Image Placeholder 3"/>
+          <p:cNvSpPr>
+            <a:spLocks noGrp="1" noRot="1" noChangeAspect="1"/>
+          </p:cNvSpPr>
+          <p:nvPr>
+            <p:ph type="sldImg" idx="2"/>
+          </p:nvPr>
+        </p:nvSpPr>
+        <p:spPr>
+          <a:xfrm>
+            <a:off x="685800" y="1143000"/>
+            <a:ext cx="5486400" cy="3086100"/>
+          </a:xfrm>
+          <a:prstGeom prst="rect">
+            <a:avLst/>
+          </a:prstGeom>
+          <a:noFill/>
+          <a:ln w="12700">
+            <a:solidFill>
+              <a:prstClr val="black"/>
+            </a:solidFill>
+          </a:ln>
+        </p:spPr>
+        <p:txBody>
+          <a:bodyPr vert="horz" lIns="91440" tIns="45720" rIns="91440" bIns="45720" rtlCol="0" anchor="ctr"/>
+          <a:lstStyle/>
+          <a:p>
+            <a:endParaRPr lang="en-US"/>
+          </a:p>
+        </p:txBody>
+      </p:sp>
+      <p:sp>
+        <p:nvSpPr>
+          <p:cNvPr id="5" name="Notes Placeholder 4"/>
+          <p:cNvSpPr>
+            <a:spLocks noGrp="1"/>
+          </p:cNvSpPr>
+          <p:nvPr>
+            <p:ph type="body" sz="quarter" idx="3"/>
+          </p:nvPr>
+        </p:nvSpPr>
+        <p:spPr>
+          <a:xfrm>
+            <a:off x="685800" y="4400550"/>
+            <a:ext cx="5486400" cy="3600450"/>
+          </a:xfrm>
+          <a:prstGeom prst="rect">
+            <a:avLst/>
+          </a:prstGeom>
+        </p:spPr>
+        <p:txBody>
+          <a:bodyPr vert="horz" lIns="91440" tIns="45720" rIns="91440" bIns="45720" rtlCol="0"/>
+          <a:lstStyle/>
+          <a:p>
+            <a:pPr lvl="0"/>
+            <a:r>
+              <a:rPr lang="en-US"/>
+              <a:t>Edit Master text styles</a:t>
+            </a:r>
+          </a:p>
+          <a:p>
+            <a:pPr lvl="1"/>
+            <a:r>
+              <a:rPr lang="en-US"/>
+              <a:t>Second level</a:t>
+            </a:r>
+          </a:p>
+          <a:p>
+            <a:pPr lvl="2"/>
+            <a:r>
+              <a:rPr lang="en-US"/>
+              <a:t>Third level</a:t>
+            </a:r>
+          </a:p>
+          <a:p>
+            <a:pPr lvl="3"/>
+            <a:r>
+              <a:rPr lang="en-US"/>
+              <a:t>Fourth level</a:t>
+            </a:r>
+          </a:p>
+          <a:p>
+            <a:pPr lvl="4"/>
+            <a:r>
+              <a:rPr lang="en-US"/>
+              <a:t>Fifth level</a:t>
+            </a:r>
+          </a:p>
+        </p:txBody>
+      </p:sp>
+      <p:sp>
+        <p:nvSpPr>
+          <p:cNvPr id="6" name="Footer Placeholder 5"/>
+          <p:cNvSpPr>
+            <a:spLocks noGrp="1"/>
+          </p:cNvSpPr>
+          <p:nvPr>
+            <p:ph type="ftr" sz="quarter" idx="4"/>
+          </p:nvPr>
+        </p:nvSpPr>
+        <p:spPr>
+          <a:xfrm>
+            <a:off x="0" y="8685213"/>
+            <a:ext cx="2971800" cy="458787"/>
+          </a:xfrm>
+          <a:prstGeom prst="rect">
+            <a:avLst/>
+          </a:prstGeom>
+        </p:spPr>
+        <p:txBody>
+          <a:bodyPr vert="horz" lIns="91440" tIns="45720" rIns="91440" bIns="45720" rtlCol="0" anchor="b"/>
+          <a:lstStyle>
+            <a:lvl1pPr algn="l">
+              <a:defRPr sz="1200"/>
+            </a:lvl1pPr>
+          </a:lstStyle>
+          <a:p>
+            <a:endParaRPr lang="en-US"/>
+          </a:p>
+        </p:txBody>
+      </p:sp>
+      <p:sp>
+        <p:nvSpPr>
+          <p:cNvPr id="7" name="Slide Number Placeholder 6"/>
+          <p:cNvSpPr>
+            <a:spLocks noGrp="1"/>
+          </p:cNvSpPr>
+          <p:nvPr>
+            <p:ph type="sldNum" sz="quarter" idx="5"/>
+          </p:nvPr>
+        </p:nvSpPr>
+        <p:spPr>
+          <a:xfrm>
+            <a:off x="3884613" y="8685213"/>
+            <a:ext cx="2971800" cy="458787"/>
+          </a:xfrm>
+          <a:prstGeom prst="rect">
+            <a:avLst/>
+          </a:prstGeom>
+        </p:spPr>
+        <p:txBody>
+          <a:bodyPr vert="horz" lIns="91440" tIns="45720" rIns="91440" bIns="45720" rtlCol="0" anchor="b"/>
+          <a:lstStyle>
+            <a:lvl1pPr algn="r">
+              <a:defRPr sz="1200"/>
+            </a:lvl1pPr>
+          </a:lstStyle>
+          <a:p>
+            <a:fld id="{C39EE6BB-A47F-4000-974F-09B47B585BBA}" type="slidenum">
+              <a:rPr lang="en-US" smtClean="0"/>
+              <a:t>‹#›</a:t>
+            </a:fld>
+            <a:endParaRPr lang="en-US"/>
+          </a:p>
+        </p:txBody>
+      </p:sp>
+    </p:spTree>
+    <p:extLst>
+      <p:ext uri="{BB962C8B-B14F-4D97-AF65-F5344CB8AC3E}">
+        <p14:creationId xmlns:p14="http://schemas.microsoft.com/office/powerpoint/2010/main" val="1014310923"/>
+      </p:ext>
+    </p:extLst>
+  </p:cSld>
+  <p:clrMap bg1="lt1" tx1="dk1" bg2="lt2" tx2="dk2" accent1="accent1" accent2="accent2" accent3="accent3" accent4="accent4" accent5="accent5" accent6="accent6" hlink="hlink" folHlink="folHlink"/>
+  <p:notesStyle>
+    <a:lvl1pPr marL="0" algn="l" defTabSz="914400" rtl="0" eaLnBrk="1" latinLnBrk="0" hangingPunct="1">
+      <a:defRPr sz="1200" kern="1200">
+        <a:solidFill>
+          <a:schemeClr val="tx1"/>
+        </a:solidFill>
+        <a:latin typeface="+mn-lt"/>
+        <a:ea typeface="+mn-ea"/>
+        <a:cs typeface="+mn-cs"/>
+      </a:defRPr>
+    </a:lvl1pPr>
+    <a:lvl2pPr marL="457200" algn="l" defTabSz="914400" rtl="0" eaLnBrk="1" latinLnBrk="0" hangingPunct="1">
+      <a:defRPr sz="1200" kern="1200">
+        <a:solidFill>
+          <a:schemeClr val="tx1"/>
+        </a:solidFill>
+        <a:latin typeface="+mn-lt"/>
+        <a:ea typeface="+mn-ea"/>
+        <a:cs typeface="+mn-cs"/>
+      </a:defRPr>
+    </a:lvl2pPr>
+    <a:lvl3pPr marL="914400" algn="l" defTabSz="914400" rtl="0" eaLnBrk="1" latinLnBrk="0" hangingPunct="1">
+      <a:defRPr sz="1200" kern="1200">
+        <a:solidFill>
+          <a:schemeClr val="tx1"/>
+        </a:solidFill>
+        <a:latin typeface="+mn-lt"/>
+        <a:ea typeface="+mn-ea"/>
+        <a:cs typeface="+mn-cs"/>
+      </a:defRPr>
+    </a:lvl3pPr>
+    <a:lvl4pPr marL="1371600" algn="l" defTabSz="914400" rtl="0" eaLnBrk="1" latinLnBrk="0" hangingPunct="1">
+      <a:defRPr sz="1200" kern="1200">
+        <a:solidFill>
+          <a:schemeClr val="tx1"/>
+        </a:solidFill>
+        <a:latin typeface="+mn-lt"/>
+        <a:ea typeface="+mn-ea"/>
+        <a:cs typeface="+mn-cs"/>
+      </a:defRPr>
+    </a:lvl4pPr>
+    <a:lvl5pPr marL="1828800" algn="l" defTabSz="914400" rtl="0" eaLnBrk="1" latinLnBrk="0" hangingPunct="1">
+      <a:defRPr sz="1200" kern="1200">
+        <a:solidFill>
+          <a:schemeClr val="tx1"/>
+        </a:solidFill>
+        <a:latin typeface="+mn-lt"/>
+        <a:ea typeface="+mn-ea"/>
+        <a:cs typeface="+mn-cs"/>
+      </a:defRPr>
+    </a:lvl5pPr>
+    <a:lvl6pPr marL="2286000" algn="l" defTabSz="914400" rtl="0" eaLnBrk="1" latinLnBrk="0" hangingPunct="1">
+      <a:defRPr sz="1200" kern="1200">
+        <a:solidFill>
+          <a:schemeClr val="tx1"/>
+        </a:solidFill>
+        <a:latin typeface="+mn-lt"/>
+        <a:ea typeface="+mn-ea"/>
+        <a:cs typeface="+mn-cs"/>
+      </a:defRPr>
+    </a:lvl6pPr>
+    <a:lvl7pPr marL="2743200" algn="l" defTabSz="914400" rtl="0" eaLnBrk="1" latinLnBrk="0" hangingPunct="1">
+      <a:defRPr sz="1200" kern="1200">
+        <a:solidFill>
+          <a:schemeClr val="tx1"/>
+        </a:solidFill>
+        <a:latin typeface="+mn-lt"/>
+        <a:ea typeface="+mn-ea"/>
+        <a:cs typeface="+mn-cs"/>
+      </a:defRPr>
+    </a:lvl7pPr>
+    <a:lvl8pPr marL="3200400" algn="l" defTabSz="914400" rtl="0" eaLnBrk="1" latinLnBrk="0" hangingPunct="1">
+      <a:defRPr sz="1200" kern="1200">
+        <a:solidFill>
+          <a:schemeClr val="tx1"/>
+        </a:solidFill>
+        <a:latin typeface="+mn-lt"/>
+        <a:ea typeface="+mn-ea"/>
+        <a:cs typeface="+mn-cs"/>
+      </a:defRPr>
+    </a:lvl8pPr>
+    <a:lvl9pPr marL="3657600" algn="l" defTabSz="914400" rtl="0" eaLnBrk="1" latinLnBrk="0" hangingPunct="1">
+      <a:defRPr sz="1200" kern="1200">
+        <a:solidFill>
+          <a:schemeClr val="tx1"/>
+        </a:solidFill>
+        <a:latin typeface="+mn-lt"/>
+        <a:ea typeface="+mn-ea"/>
+        <a:cs typeface="+mn-cs"/>
+      </a:defRPr>
+    </a:lvl9pPr>
+  </p:notesStyle>
+</p:notesMaster>
+</file>
+
+<file path=ppt/notesSlides/notesSlide1.xml><?xml version="1.0" encoding="utf-8"?>
+<p:notes xmlns:a="http://schemas.openxmlformats.org/drawingml/2006/main" xmlns:r="http://schemas.openxmlformats.org/officeDocument/2006/relationships" xmlns:p="http://schemas.openxmlformats.org/presentationml/2006/main">
+  <p:cSld>
+    <p:spTree>
+      <p:nvGrpSpPr>
+        <p:cNvPr id="1" name=""/>
+        <p:cNvGrpSpPr/>
+        <p:nvPr/>
+      </p:nvGrpSpPr>
+      <p:grpSpPr>
+        <a:xfrm>
+          <a:off x="0" y="0"/>
+          <a:ext cx="0" cy="0"/>
+          <a:chOff x="0" y="0"/>
+          <a:chExt cx="0" cy="0"/>
+        </a:xfrm>
+      </p:grpSpPr>
+      <p:sp>
+        <p:nvSpPr>
+          <p:cNvPr id="2" name="Slide Image Placeholder 1"/>
+          <p:cNvSpPr>
+            <a:spLocks noGrp="1" noRot="1" noChangeAspect="1"/>
+          </p:cNvSpPr>
+          <p:nvPr>
+            <p:ph type="sldImg"/>
+          </p:nvPr>
+        </p:nvSpPr>
+        <p:spPr/>
+      </p:sp>
+      <p:sp>
+        <p:nvSpPr>
+          <p:cNvPr id="3" name="Notes Placeholder 2"/>
+          <p:cNvSpPr>
+            <a:spLocks noGrp="1"/>
+          </p:cNvSpPr>
+          <p:nvPr>
+            <p:ph type="body" idx="1"/>
+          </p:nvPr>
+        </p:nvSpPr>
+        <p:spPr/>
+        <p:txBody>
+          <a:bodyPr/>
+          <a:lstStyle/>
+          <a:p>
+            <a:pPr marL="228600" indent="-228600">
+              <a:buAutoNum type="arabicPeriod"/>
+            </a:pPr>
+            <a:r>
+              <a:rPr lang="en-US" dirty="0"/>
+              <a:t>Share my experience and thoughts</a:t>
+            </a:r>
+          </a:p>
+          <a:p>
+            <a:pPr marL="228600" indent="-228600">
+              <a:buAutoNum type="arabicPeriod"/>
+            </a:pPr>
+            <a:endParaRPr lang="en-US" dirty="0"/>
+          </a:p>
+        </p:txBody>
+      </p:sp>
+      <p:sp>
+        <p:nvSpPr>
+          <p:cNvPr id="4" name="Slide Number Placeholder 3"/>
+          <p:cNvSpPr>
+            <a:spLocks noGrp="1"/>
+          </p:cNvSpPr>
+          <p:nvPr>
+            <p:ph type="sldNum" sz="quarter" idx="10"/>
+          </p:nvPr>
+        </p:nvSpPr>
+        <p:spPr/>
+        <p:txBody>
+          <a:bodyPr/>
+          <a:lstStyle/>
+          <a:p>
+            <a:fld id="{C39EE6BB-A47F-4000-974F-09B47B585BBA}" type="slidenum">
+              <a:rPr lang="en-US" smtClean="0"/>
+              <a:t>1</a:t>
+            </a:fld>
+            <a:endParaRPr lang="en-US"/>
+          </a:p>
+        </p:txBody>
+      </p:sp>
+    </p:spTree>
+    <p:extLst>
+      <p:ext uri="{BB962C8B-B14F-4D97-AF65-F5344CB8AC3E}">
+        <p14:creationId xmlns:p14="http://schemas.microsoft.com/office/powerpoint/2010/main" val="972839232"/>
+      </p:ext>
+    </p:extLst>
+  </p:cSld>
+  <p:clrMapOvr>
+    <a:masterClrMapping/>
+  </p:clrMapOvr>
+</p:notes>
+</file>
+
+<file path=ppt/notesSlides/notesSlide2.xml><?xml version="1.0" encoding="utf-8"?>
+<p:notes xmlns:a="http://schemas.openxmlformats.org/drawingml/2006/main" xmlns:r="http://schemas.openxmlformats.org/officeDocument/2006/relationships" xmlns:p="http://schemas.openxmlformats.org/presentationml/2006/main">
+  <p:cSld>
+    <p:spTree>
+      <p:nvGrpSpPr>
+        <p:cNvPr id="1" name=""/>
+        <p:cNvGrpSpPr/>
+        <p:nvPr/>
+      </p:nvGrpSpPr>
+      <p:grpSpPr>
+        <a:xfrm>
+          <a:off x="0" y="0"/>
+          <a:ext cx="0" cy="0"/>
+          <a:chOff x="0" y="0"/>
+          <a:chExt cx="0" cy="0"/>
+        </a:xfrm>
+      </p:grpSpPr>
+      <p:sp>
+        <p:nvSpPr>
+          <p:cNvPr id="2" name="Slide Image Placeholder 1"/>
+          <p:cNvSpPr>
+            <a:spLocks noGrp="1" noRot="1" noChangeAspect="1"/>
+          </p:cNvSpPr>
+          <p:nvPr>
+            <p:ph type="sldImg"/>
+          </p:nvPr>
+        </p:nvSpPr>
+        <p:spPr/>
+      </p:sp>
+      <p:sp>
+        <p:nvSpPr>
+          <p:cNvPr id="3" name="Notes Placeholder 2"/>
+          <p:cNvSpPr>
+            <a:spLocks noGrp="1"/>
+          </p:cNvSpPr>
+          <p:nvPr>
+            <p:ph type="body" idx="1"/>
+          </p:nvPr>
+        </p:nvSpPr>
+        <p:spPr/>
+        <p:txBody>
+          <a:bodyPr/>
+          <a:lstStyle/>
+          <a:p>
+            <a:r>
+              <a:rPr lang="en-US" dirty="0"/>
+              <a:t>Starts from requirement gathering and story slicing</a:t>
+            </a:r>
+          </a:p>
+          <a:p>
+            <a:r>
+              <a:rPr lang="en-US" dirty="0"/>
+              <a:t>The first failing test will derive the developer to start making it pass</a:t>
+            </a:r>
+          </a:p>
+        </p:txBody>
+      </p:sp>
+      <p:sp>
+        <p:nvSpPr>
+          <p:cNvPr id="4" name="Slide Number Placeholder 3"/>
+          <p:cNvSpPr>
+            <a:spLocks noGrp="1"/>
+          </p:cNvSpPr>
+          <p:nvPr>
+            <p:ph type="sldNum" sz="quarter" idx="10"/>
+          </p:nvPr>
+        </p:nvSpPr>
+        <p:spPr/>
+        <p:txBody>
+          <a:bodyPr/>
+          <a:lstStyle/>
+          <a:p>
+            <a:fld id="{C39EE6BB-A47F-4000-974F-09B47B585BBA}" type="slidenum">
+              <a:rPr lang="en-US" smtClean="0"/>
+              <a:t>2</a:t>
+            </a:fld>
+            <a:endParaRPr lang="en-US"/>
+          </a:p>
+        </p:txBody>
+      </p:sp>
+    </p:spTree>
+    <p:extLst>
+      <p:ext uri="{BB962C8B-B14F-4D97-AF65-F5344CB8AC3E}">
+        <p14:creationId xmlns:p14="http://schemas.microsoft.com/office/powerpoint/2010/main" val="871890176"/>
+      </p:ext>
+    </p:extLst>
+  </p:cSld>
+  <p:clrMapOvr>
+    <a:masterClrMapping/>
+  </p:clrMapOvr>
+</p:notes>
+</file>
+
+<file path=ppt/notesSlides/notesSlide3.xml><?xml version="1.0" encoding="utf-8"?>
+<p:notes xmlns:a="http://schemas.openxmlformats.org/drawingml/2006/main" xmlns:r="http://schemas.openxmlformats.org/officeDocument/2006/relationships" xmlns:p="http://schemas.openxmlformats.org/presentationml/2006/main">
+  <p:cSld>
+    <p:spTree>
+      <p:nvGrpSpPr>
+        <p:cNvPr id="1" name=""/>
+        <p:cNvGrpSpPr/>
+        <p:nvPr/>
+      </p:nvGrpSpPr>
+      <p:grpSpPr>
+        <a:xfrm>
+          <a:off x="0" y="0"/>
+          <a:ext cx="0" cy="0"/>
+          <a:chOff x="0" y="0"/>
+          <a:chExt cx="0" cy="0"/>
+        </a:xfrm>
+      </p:grpSpPr>
+      <p:sp>
+        <p:nvSpPr>
+          <p:cNvPr id="2" name="Slide Image Placeholder 1"/>
+          <p:cNvSpPr>
+            <a:spLocks noGrp="1" noRot="1" noChangeAspect="1"/>
+          </p:cNvSpPr>
+          <p:nvPr>
+            <p:ph type="sldImg"/>
+          </p:nvPr>
+        </p:nvSpPr>
+        <p:spPr/>
+      </p:sp>
+      <p:sp>
+        <p:nvSpPr>
+          <p:cNvPr id="3" name="Notes Placeholder 2"/>
+          <p:cNvSpPr>
+            <a:spLocks noGrp="1"/>
+          </p:cNvSpPr>
+          <p:nvPr>
+            <p:ph type="body" idx="1"/>
+          </p:nvPr>
+        </p:nvSpPr>
+        <p:spPr/>
+        <p:txBody>
+          <a:bodyPr/>
+          <a:lstStyle/>
+          <a:p>
+            <a:r>
+              <a:rPr lang="en-US" dirty="0"/>
+              <a:t>Epic </a:t>
+            </a:r>
+            <a:r>
+              <a:rPr lang="en-US" dirty="0">
+                <a:sym typeface="Wingdings" panose="05000000000000000000" pitchFamily="2" charset="2"/>
+              </a:rPr>
+              <a:t> Estimates  Story/Feature cards</a:t>
+            </a:r>
+          </a:p>
+          <a:p>
+            <a:r>
+              <a:rPr lang="en-US" dirty="0">
+                <a:sym typeface="Wingdings" panose="05000000000000000000" pitchFamily="2" charset="2"/>
+              </a:rPr>
+              <a:t>A feature card should be Smallest possible feature that provides some business value</a:t>
+            </a:r>
+            <a:endParaRPr lang="en-US" dirty="0"/>
+          </a:p>
+        </p:txBody>
+      </p:sp>
+      <p:sp>
+        <p:nvSpPr>
+          <p:cNvPr id="4" name="Slide Number Placeholder 3"/>
+          <p:cNvSpPr>
+            <a:spLocks noGrp="1"/>
+          </p:cNvSpPr>
+          <p:nvPr>
+            <p:ph type="sldNum" sz="quarter" idx="10"/>
+          </p:nvPr>
+        </p:nvSpPr>
+        <p:spPr/>
+        <p:txBody>
+          <a:bodyPr/>
+          <a:lstStyle/>
+          <a:p>
+            <a:fld id="{C39EE6BB-A47F-4000-974F-09B47B585BBA}" type="slidenum">
+              <a:rPr lang="en-US" smtClean="0"/>
+              <a:t>3</a:t>
+            </a:fld>
+            <a:endParaRPr lang="en-US"/>
+          </a:p>
+        </p:txBody>
+      </p:sp>
+    </p:spTree>
+    <p:extLst>
+      <p:ext uri="{BB962C8B-B14F-4D97-AF65-F5344CB8AC3E}">
+        <p14:creationId xmlns:p14="http://schemas.microsoft.com/office/powerpoint/2010/main" val="792278730"/>
+      </p:ext>
+    </p:extLst>
+  </p:cSld>
+  <p:clrMapOvr>
+    <a:masterClrMapping/>
+  </p:clrMapOvr>
+</p:notes>
+</file>
+
+<file path=ppt/notesSlides/notesSlide4.xml><?xml version="1.0" encoding="utf-8"?>
+<p:notes xmlns:a="http://schemas.openxmlformats.org/drawingml/2006/main" xmlns:r="http://schemas.openxmlformats.org/officeDocument/2006/relationships" xmlns:p="http://schemas.openxmlformats.org/presentationml/2006/main">
+  <p:cSld>
+    <p:spTree>
+      <p:nvGrpSpPr>
+        <p:cNvPr id="1" name=""/>
+        <p:cNvGrpSpPr/>
+        <p:nvPr/>
+      </p:nvGrpSpPr>
+      <p:grpSpPr>
+        <a:xfrm>
+          <a:off x="0" y="0"/>
+          <a:ext cx="0" cy="0"/>
+          <a:chOff x="0" y="0"/>
+          <a:chExt cx="0" cy="0"/>
+        </a:xfrm>
+      </p:grpSpPr>
+      <p:sp>
+        <p:nvSpPr>
+          <p:cNvPr id="2" name="Slide Image Placeholder 1"/>
+          <p:cNvSpPr>
+            <a:spLocks noGrp="1" noRot="1" noChangeAspect="1"/>
+          </p:cNvSpPr>
+          <p:nvPr>
+            <p:ph type="sldImg"/>
+          </p:nvPr>
+        </p:nvSpPr>
+        <p:spPr/>
+      </p:sp>
+      <p:sp>
+        <p:nvSpPr>
+          <p:cNvPr id="3" name="Notes Placeholder 2"/>
+          <p:cNvSpPr>
+            <a:spLocks noGrp="1"/>
+          </p:cNvSpPr>
+          <p:nvPr>
+            <p:ph type="body" idx="1"/>
+          </p:nvPr>
+        </p:nvSpPr>
+        <p:spPr/>
+        <p:txBody>
+          <a:bodyPr/>
+          <a:lstStyle/>
+          <a:p>
+            <a:r>
+              <a:rPr lang="en-US" dirty="0"/>
+              <a:t>We used to have Fan-4</a:t>
+            </a:r>
+          </a:p>
+          <a:p>
+            <a:r>
+              <a:rPr lang="en-US" dirty="0"/>
+              <a:t>Timex boxed for 45 minutes (30 minutes to 1 </a:t>
+            </a:r>
+            <a:r>
+              <a:rPr lang="en-US" dirty="0" err="1"/>
+              <a:t>hr</a:t>
+            </a:r>
+            <a:r>
+              <a:rPr lang="en-US" dirty="0"/>
+              <a:t>) – If it takes more than that, its definitely not eh smallest card – may be another candidate for decomposition – </a:t>
+            </a:r>
+          </a:p>
+          <a:p>
+            <a:r>
+              <a:rPr lang="en-US" dirty="0"/>
+              <a:t>Decomposition: produces more store cards == growth</a:t>
+            </a:r>
+          </a:p>
+        </p:txBody>
+      </p:sp>
+      <p:sp>
+        <p:nvSpPr>
+          <p:cNvPr id="4" name="Slide Number Placeholder 3"/>
+          <p:cNvSpPr>
+            <a:spLocks noGrp="1"/>
+          </p:cNvSpPr>
+          <p:nvPr>
+            <p:ph type="sldNum" sz="quarter" idx="10"/>
+          </p:nvPr>
+        </p:nvSpPr>
+        <p:spPr/>
+        <p:txBody>
+          <a:bodyPr/>
+          <a:lstStyle/>
+          <a:p>
+            <a:fld id="{C39EE6BB-A47F-4000-974F-09B47B585BBA}" type="slidenum">
+              <a:rPr lang="en-US" smtClean="0"/>
+              <a:t>4</a:t>
+            </a:fld>
+            <a:endParaRPr lang="en-US"/>
+          </a:p>
+        </p:txBody>
+      </p:sp>
+    </p:spTree>
+    <p:extLst>
+      <p:ext uri="{BB962C8B-B14F-4D97-AF65-F5344CB8AC3E}">
+        <p14:creationId xmlns:p14="http://schemas.microsoft.com/office/powerpoint/2010/main" val="543479186"/>
+      </p:ext>
+    </p:extLst>
+  </p:cSld>
+  <p:clrMapOvr>
+    <a:masterClrMapping/>
+  </p:clrMapOvr>
+</p:notes>
+</file>
+
+<file path=ppt/notesSlides/notesSlide5.xml><?xml version="1.0" encoding="utf-8"?>
+<p:notes xmlns:a="http://schemas.openxmlformats.org/drawingml/2006/main" xmlns:r="http://schemas.openxmlformats.org/officeDocument/2006/relationships" xmlns:p="http://schemas.openxmlformats.org/presentationml/2006/main">
+  <p:cSld>
+    <p:spTree>
+      <p:nvGrpSpPr>
+        <p:cNvPr id="1" name=""/>
+        <p:cNvGrpSpPr/>
+        <p:nvPr/>
+      </p:nvGrpSpPr>
+      <p:grpSpPr>
+        <a:xfrm>
+          <a:off x="0" y="0"/>
+          <a:ext cx="0" cy="0"/>
+          <a:chOff x="0" y="0"/>
+          <a:chExt cx="0" cy="0"/>
+        </a:xfrm>
+      </p:grpSpPr>
+      <p:sp>
+        <p:nvSpPr>
+          <p:cNvPr id="2" name="Slide Image Placeholder 1"/>
+          <p:cNvSpPr>
+            <a:spLocks noGrp="1" noRot="1" noChangeAspect="1"/>
+          </p:cNvSpPr>
+          <p:nvPr>
+            <p:ph type="sldImg"/>
+          </p:nvPr>
+        </p:nvSpPr>
+        <p:spPr/>
+      </p:sp>
+      <p:sp>
+        <p:nvSpPr>
+          <p:cNvPr id="3" name="Notes Placeholder 2"/>
+          <p:cNvSpPr>
+            <a:spLocks noGrp="1"/>
+          </p:cNvSpPr>
+          <p:nvPr>
+            <p:ph type="body" idx="1"/>
+          </p:nvPr>
+        </p:nvSpPr>
+        <p:spPr/>
+        <p:txBody>
+          <a:bodyPr/>
+          <a:lstStyle/>
+          <a:p>
+            <a:r>
+              <a:rPr lang="en-US" dirty="0"/>
+              <a:t>Talk about given when then and start the Ruby mine</a:t>
+            </a:r>
+          </a:p>
+        </p:txBody>
+      </p:sp>
+      <p:sp>
+        <p:nvSpPr>
+          <p:cNvPr id="4" name="Slide Number Placeholder 3"/>
+          <p:cNvSpPr>
+            <a:spLocks noGrp="1"/>
+          </p:cNvSpPr>
+          <p:nvPr>
+            <p:ph type="sldNum" sz="quarter" idx="10"/>
+          </p:nvPr>
+        </p:nvSpPr>
+        <p:spPr/>
+        <p:txBody>
+          <a:bodyPr/>
+          <a:lstStyle/>
+          <a:p>
+            <a:fld id="{C39EE6BB-A47F-4000-974F-09B47B585BBA}" type="slidenum">
+              <a:rPr lang="en-US" smtClean="0"/>
+              <a:t>5</a:t>
+            </a:fld>
+            <a:endParaRPr lang="en-US"/>
+          </a:p>
+        </p:txBody>
+      </p:sp>
+    </p:spTree>
+    <p:extLst>
+      <p:ext uri="{BB962C8B-B14F-4D97-AF65-F5344CB8AC3E}">
+        <p14:creationId xmlns:p14="http://schemas.microsoft.com/office/powerpoint/2010/main" val="3574415058"/>
+      </p:ext>
+    </p:extLst>
+  </p:cSld>
+  <p:clrMapOvr>
+    <a:masterClrMapping/>
+  </p:clrMapOvr>
+</p:notes>
+</file>
+
+<file path=ppt/notesSlides/notesSlide6.xml><?xml version="1.0" encoding="utf-8"?>
+<p:notes xmlns:a="http://schemas.openxmlformats.org/drawingml/2006/main" xmlns:r="http://schemas.openxmlformats.org/officeDocument/2006/relationships" xmlns:p="http://schemas.openxmlformats.org/presentationml/2006/main">
+  <p:cSld>
+    <p:spTree>
+      <p:nvGrpSpPr>
+        <p:cNvPr id="1" name=""/>
+        <p:cNvGrpSpPr/>
+        <p:nvPr/>
+      </p:nvGrpSpPr>
+      <p:grpSpPr>
+        <a:xfrm>
+          <a:off x="0" y="0"/>
+          <a:ext cx="0" cy="0"/>
+          <a:chOff x="0" y="0"/>
+          <a:chExt cx="0" cy="0"/>
+        </a:xfrm>
+      </p:grpSpPr>
+      <p:sp>
+        <p:nvSpPr>
+          <p:cNvPr id="2" name="Slide Image Placeholder 1"/>
+          <p:cNvSpPr>
+            <a:spLocks noGrp="1" noRot="1" noChangeAspect="1"/>
+          </p:cNvSpPr>
+          <p:nvPr>
+            <p:ph type="sldImg"/>
+          </p:nvPr>
+        </p:nvSpPr>
+        <p:spPr/>
+      </p:sp>
+      <p:sp>
+        <p:nvSpPr>
+          <p:cNvPr id="3" name="Notes Placeholder 2"/>
+          <p:cNvSpPr>
+            <a:spLocks noGrp="1"/>
+          </p:cNvSpPr>
+          <p:nvPr>
+            <p:ph type="body" idx="1"/>
+          </p:nvPr>
+        </p:nvSpPr>
+        <p:spPr/>
+        <p:txBody>
+          <a:bodyPr/>
+          <a:lstStyle/>
+          <a:p>
+            <a:endParaRPr lang="en-US" dirty="0"/>
+          </a:p>
+        </p:txBody>
+      </p:sp>
+      <p:sp>
+        <p:nvSpPr>
+          <p:cNvPr id="4" name="Slide Number Placeholder 3"/>
+          <p:cNvSpPr>
+            <a:spLocks noGrp="1"/>
+          </p:cNvSpPr>
+          <p:nvPr>
+            <p:ph type="sldNum" sz="quarter" idx="10"/>
+          </p:nvPr>
+        </p:nvSpPr>
+        <p:spPr/>
+        <p:txBody>
+          <a:bodyPr/>
+          <a:lstStyle/>
+          <a:p>
+            <a:fld id="{C39EE6BB-A47F-4000-974F-09B47B585BBA}" type="slidenum">
+              <a:rPr lang="en-US" smtClean="0"/>
+              <a:t>6</a:t>
+            </a:fld>
+            <a:endParaRPr lang="en-US"/>
+          </a:p>
+        </p:txBody>
+      </p:sp>
+    </p:spTree>
+    <p:extLst>
+      <p:ext uri="{BB962C8B-B14F-4D97-AF65-F5344CB8AC3E}">
+        <p14:creationId xmlns:p14="http://schemas.microsoft.com/office/powerpoint/2010/main" val="2359323648"/>
+      </p:ext>
+    </p:extLst>
+  </p:cSld>
+  <p:clrMapOvr>
+    <a:masterClrMapping/>
+  </p:clrMapOvr>
+</p:notes>
 </file>
 
 <file path=ppt/slideLayouts/slideLayout1.xml><?xml version="1.0" encoding="utf-8"?>
@@ -261,7 +1235,7 @@
           <a:p>
             <a:fld id="{888D3D5A-6062-4087-AE34-EB5564768194}" type="datetimeFigureOut">
               <a:rPr lang="en-US" smtClean="0"/>
-              <a:t>4/26/2018</a:t>
+              <a:t>4/27/2018</a:t>
             </a:fld>
             <a:endParaRPr lang="en-US"/>
           </a:p>
@@ -467,7 +1441,7 @@
           <a:p>
             <a:fld id="{888D3D5A-6062-4087-AE34-EB5564768194}" type="datetimeFigureOut">
               <a:rPr lang="en-US" smtClean="0"/>
-              <a:t>4/26/2018</a:t>
+              <a:t>4/27/2018</a:t>
             </a:fld>
             <a:endParaRPr lang="en-US"/>
           </a:p>
@@ -683,7 +1657,7 @@
           <a:p>
             <a:fld id="{888D3D5A-6062-4087-AE34-EB5564768194}" type="datetimeFigureOut">
               <a:rPr lang="en-US" smtClean="0"/>
-              <a:t>4/26/2018</a:t>
+              <a:t>4/27/2018</a:t>
             </a:fld>
             <a:endParaRPr lang="en-US"/>
           </a:p>
@@ -889,7 +1863,7 @@
           <a:p>
             <a:fld id="{888D3D5A-6062-4087-AE34-EB5564768194}" type="datetimeFigureOut">
               <a:rPr lang="en-US" smtClean="0"/>
-              <a:t>4/26/2018</a:t>
+              <a:t>4/27/2018</a:t>
             </a:fld>
             <a:endParaRPr lang="en-US"/>
           </a:p>
@@ -1172,7 +2146,7 @@
           <a:p>
             <a:fld id="{888D3D5A-6062-4087-AE34-EB5564768194}" type="datetimeFigureOut">
               <a:rPr lang="en-US" smtClean="0"/>
-              <a:t>4/26/2018</a:t>
+              <a:t>4/27/2018</a:t>
             </a:fld>
             <a:endParaRPr lang="en-US"/>
           </a:p>
@@ -1445,7 +2419,7 @@
           <a:p>
             <a:fld id="{888D3D5A-6062-4087-AE34-EB5564768194}" type="datetimeFigureOut">
               <a:rPr lang="en-US" smtClean="0"/>
-              <a:t>4/26/2018</a:t>
+              <a:t>4/27/2018</a:t>
             </a:fld>
             <a:endParaRPr lang="en-US"/>
           </a:p>
@@ -1865,7 +2839,7 @@
           <a:p>
             <a:fld id="{888D3D5A-6062-4087-AE34-EB5564768194}" type="datetimeFigureOut">
               <a:rPr lang="en-US" smtClean="0"/>
-              <a:t>4/26/2018</a:t>
+              <a:t>4/27/2018</a:t>
             </a:fld>
             <a:endParaRPr lang="en-US"/>
           </a:p>
@@ -1985,7 +2959,7 @@
           <a:lstStyle/>
           <a:p>
             <a:r>
-              <a:rPr lang="en-US"/>
+              <a:rPr lang="en-US" dirty="0"/>
               <a:t>Click to edit Master title style</a:t>
             </a:r>
           </a:p>
@@ -2014,7 +2988,7 @@
           <a:p>
             <a:fld id="{888D3D5A-6062-4087-AE34-EB5564768194}" type="datetimeFigureOut">
               <a:rPr lang="en-US" smtClean="0"/>
-              <a:t>4/26/2018</a:t>
+              <a:t>4/27/2018</a:t>
             </a:fld>
             <a:endParaRPr lang="en-US"/>
           </a:p>
@@ -2178,7 +3152,7 @@
           <a:p>
             <a:fld id="{888D3D5A-6062-4087-AE34-EB5564768194}" type="datetimeFigureOut">
               <a:rPr lang="en-US" smtClean="0"/>
-              <a:t>4/26/2018</a:t>
+              <a:t>4/27/2018</a:t>
             </a:fld>
             <a:endParaRPr lang="en-US"/>
           </a:p>
@@ -2497,7 +3471,7 @@
           <a:p>
             <a:fld id="{888D3D5A-6062-4087-AE34-EB5564768194}" type="datetimeFigureOut">
               <a:rPr lang="en-US" smtClean="0"/>
-              <a:t>4/26/2018</a:t>
+              <a:t>4/27/2018</a:t>
             </a:fld>
             <a:endParaRPr lang="en-US"/>
           </a:p>
@@ -2793,7 +3767,7 @@
           <a:p>
             <a:fld id="{888D3D5A-6062-4087-AE34-EB5564768194}" type="datetimeFigureOut">
               <a:rPr lang="en-US" smtClean="0"/>
-              <a:t>4/26/2018</a:t>
+              <a:t>4/27/2018</a:t>
             </a:fld>
             <a:endParaRPr lang="en-US"/>
           </a:p>
@@ -3011,7 +3985,7 @@
           <a:p>
             <a:fld id="{888D3D5A-6062-4087-AE34-EB5564768194}" type="datetimeFigureOut">
               <a:rPr lang="en-US" smtClean="0"/>
-              <a:t>4/26/2018</a:t>
+              <a:t>4/27/2018</a:t>
             </a:fld>
             <a:endParaRPr lang="en-US"/>
           </a:p>
@@ -3604,7 +4578,47 @@
           <a:p>
             <a:r>
               <a:rPr lang="en-US" sz="2400" dirty="0"/>
-              <a:t>BDD is a software development process that emerged from test driven development (TDD).</a:t>
+              <a:t>BDD is a software development process that emerged from test driven development (TDD). </a:t>
+            </a:r>
+            <a:r>
+              <a:rPr lang="en-US" sz="1400" i="1" dirty="0"/>
+              <a:t>-- Wiki</a:t>
+            </a:r>
+            <a:endParaRPr lang="en-US" sz="2400" i="1" dirty="0"/>
+          </a:p>
+        </p:txBody>
+      </p:sp>
+      <p:sp>
+        <p:nvSpPr>
+          <p:cNvPr id="4" name="TextBox 3">
+            <a:extLst>
+              <a:ext uri="{FF2B5EF4-FFF2-40B4-BE49-F238E27FC236}">
+                <a16:creationId xmlns:a16="http://schemas.microsoft.com/office/drawing/2014/main" id="{162B1A9D-15C0-4620-B0B7-780BCF6239B2}"/>
+              </a:ext>
+            </a:extLst>
+          </p:cNvPr>
+          <p:cNvSpPr txBox="1"/>
+          <p:nvPr/>
+        </p:nvSpPr>
+        <p:spPr>
+          <a:xfrm>
+            <a:off x="621323" y="4431323"/>
+            <a:ext cx="8834534" cy="369332"/>
+          </a:xfrm>
+          <a:prstGeom prst="rect">
+            <a:avLst/>
+          </a:prstGeom>
+          <a:noFill/>
+        </p:spPr>
+        <p:txBody>
+          <a:bodyPr wrap="none" rtlCol="0">
+            <a:spAutoFit/>
+          </a:bodyPr>
+          <a:lstStyle/>
+          <a:p>
+            <a:r>
+              <a:rPr lang="en-US" i="1" dirty="0"/>
+              <a:t>The first failing test would be the expected behavior (new feature) that is not yet developed.</a:t>
             </a:r>
           </a:p>
         </p:txBody>
@@ -3639,6 +4653,42 @@
           <a:chExt cx="0" cy="0"/>
         </a:xfrm>
       </p:grpSpPr>
+      <p:pic>
+        <p:nvPicPr>
+          <p:cNvPr id="9" name="Picture 8" descr="A screenshot of a cell phone&#10;&#10;Description generated with high confidence">
+            <a:extLst>
+              <a:ext uri="{FF2B5EF4-FFF2-40B4-BE49-F238E27FC236}">
+                <a16:creationId xmlns:a16="http://schemas.microsoft.com/office/drawing/2014/main" id="{C0114CF8-722E-4BBB-9C22-592C214CC721}"/>
+              </a:ext>
+            </a:extLst>
+          </p:cNvPr>
+          <p:cNvPicPr>
+            <a:picLocks noChangeAspect="1"/>
+          </p:cNvPicPr>
+          <p:nvPr/>
+        </p:nvPicPr>
+        <p:blipFill>
+          <a:blip r:embed="rId3">
+            <a:extLst>
+              <a:ext uri="{28A0092B-C50C-407E-A947-70E740481C1C}">
+                <a14:useLocalDpi xmlns:a14="http://schemas.microsoft.com/office/drawing/2010/main" val="0"/>
+              </a:ext>
+            </a:extLst>
+          </a:blip>
+          <a:stretch>
+            <a:fillRect/>
+          </a:stretch>
+        </p:blipFill>
+        <p:spPr>
+          <a:xfrm>
+            <a:off x="3013827" y="1565962"/>
+            <a:ext cx="5803900" cy="3047977"/>
+          </a:xfrm>
+          <a:prstGeom prst="rect">
+            <a:avLst/>
+          </a:prstGeom>
+        </p:spPr>
+      </p:pic>
       <p:sp>
         <p:nvSpPr>
           <p:cNvPr id="2" name="Title 1">
@@ -3758,10 +4808,10 @@
       </p:sp>
       <p:sp>
         <p:nvSpPr>
-          <p:cNvPr id="6" name="TextBox 5">
-            <a:extLst>
-              <a:ext uri="{FF2B5EF4-FFF2-40B4-BE49-F238E27FC236}">
-                <a16:creationId xmlns:a16="http://schemas.microsoft.com/office/drawing/2014/main" id="{1F884CAD-08D0-4D69-BDD4-2E03FA66A0DB}"/>
+          <p:cNvPr id="7" name="TextBox 6">
+            <a:extLst>
+              <a:ext uri="{FF2B5EF4-FFF2-40B4-BE49-F238E27FC236}">
+                <a16:creationId xmlns:a16="http://schemas.microsoft.com/office/drawing/2014/main" id="{3E4250C3-6620-49B9-A293-C8885E59887F}"/>
               </a:ext>
             </a:extLst>
           </p:cNvPr>
@@ -3770,8 +4820,8 @@
         </p:nvSpPr>
         <p:spPr>
           <a:xfrm>
-            <a:off x="838200" y="2338086"/>
-            <a:ext cx="10748058" cy="1754326"/>
+            <a:off x="2911231" y="2028616"/>
+            <a:ext cx="6184900" cy="2800767"/>
           </a:xfrm>
           <a:prstGeom prst="rect">
             <a:avLst/>
@@ -3785,80 +4835,144 @@
           <a:lstStyle/>
           <a:p>
             <a:r>
-              <a:rPr lang="en-US" altLang="en-US" dirty="0">
+              <a:rPr lang="en-US" altLang="en-US" sz="2000" u="sng" dirty="0">
                 <a:solidFill>
                   <a:srgbClr val="000000"/>
                 </a:solidFill>
-                <a:latin typeface="Courier New" panose="02070309020205020404" pitchFamily="49" charset="0"/>
+                <a:latin typeface="Harlow Solid Italic" panose="04030604020F02020D02" pitchFamily="82" charset="0"/>
                 <a:cs typeface="Courier New" panose="02070309020205020404" pitchFamily="49" charset="0"/>
               </a:rPr>
               <a:t>Calculate the Tax and Total of the service provided</a:t>
             </a:r>
           </a:p>
           <a:p>
-            <a:endParaRPr lang="en-US" altLang="en-US" dirty="0">
+            <a:endParaRPr lang="en-US" altLang="en-US" sz="4000" dirty="0">
               <a:solidFill>
                 <a:srgbClr val="000000"/>
               </a:solidFill>
-              <a:latin typeface="Courier New" panose="02070309020205020404" pitchFamily="49" charset="0"/>
+              <a:latin typeface="Harlow Solid Italic" panose="04030604020F02020D02" pitchFamily="82" charset="0"/>
               <a:cs typeface="Courier New" panose="02070309020205020404" pitchFamily="49" charset="0"/>
             </a:endParaRPr>
           </a:p>
           <a:p>
             <a:r>
-              <a:rPr lang="en-US" altLang="en-US" dirty="0">
+              <a:rPr lang="en-US" altLang="en-US" sz="2000" dirty="0">
                 <a:solidFill>
                   <a:srgbClr val="000000"/>
                 </a:solidFill>
-                <a:latin typeface="Courier New" panose="02070309020205020404" pitchFamily="49" charset="0"/>
+                <a:latin typeface="Harlow Solid Italic" panose="04030604020F02020D02" pitchFamily="82" charset="0"/>
                 <a:cs typeface="Courier New" panose="02070309020205020404" pitchFamily="49" charset="0"/>
               </a:rPr>
-              <a:t>  In order to receive correct payment from the customer</a:t>
+              <a:t> In order to receive correct payment from the customer</a:t>
             </a:r>
             <a:br>
-              <a:rPr lang="en-US" altLang="en-US" dirty="0">
+              <a:rPr lang="en-US" altLang="en-US" sz="2000" dirty="0">
                 <a:solidFill>
                   <a:srgbClr val="000000"/>
                 </a:solidFill>
-                <a:latin typeface="Courier New" panose="02070309020205020404" pitchFamily="49" charset="0"/>
+                <a:latin typeface="Harlow Solid Italic" panose="04030604020F02020D02" pitchFamily="82" charset="0"/>
                 <a:cs typeface="Courier New" panose="02070309020205020404" pitchFamily="49" charset="0"/>
               </a:rPr>
             </a:br>
             <a:r>
-              <a:rPr lang="en-US" altLang="en-US" dirty="0">
+              <a:rPr lang="en-US" altLang="en-US" sz="2000" dirty="0">
                 <a:solidFill>
                   <a:srgbClr val="000000"/>
                 </a:solidFill>
-                <a:latin typeface="Courier New" panose="02070309020205020404" pitchFamily="49" charset="0"/>
+                <a:latin typeface="Harlow Solid Italic" panose="04030604020F02020D02" pitchFamily="82" charset="0"/>
                 <a:cs typeface="Courier New" panose="02070309020205020404" pitchFamily="49" charset="0"/>
               </a:rPr>
-              <a:t>  As a cash counter person</a:t>
+              <a:t> As a cash counter person</a:t>
             </a:r>
             <a:br>
-              <a:rPr lang="en-US" altLang="en-US" dirty="0">
+              <a:rPr lang="en-US" altLang="en-US" sz="2000" dirty="0">
                 <a:solidFill>
                   <a:srgbClr val="000000"/>
                 </a:solidFill>
-                <a:latin typeface="Courier New" panose="02070309020205020404" pitchFamily="49" charset="0"/>
+                <a:latin typeface="Harlow Solid Italic" panose="04030604020F02020D02" pitchFamily="82" charset="0"/>
                 <a:cs typeface="Courier New" panose="02070309020205020404" pitchFamily="49" charset="0"/>
               </a:rPr>
             </a:br>
             <a:r>
-              <a:rPr lang="en-US" altLang="en-US" dirty="0">
+              <a:rPr lang="en-US" altLang="en-US" sz="2000" dirty="0">
                 <a:solidFill>
                   <a:srgbClr val="000000"/>
                 </a:solidFill>
-                <a:latin typeface="Courier New" panose="02070309020205020404" pitchFamily="49" charset="0"/>
+                <a:latin typeface="Harlow Solid Italic" panose="04030604020F02020D02" pitchFamily="82" charset="0"/>
                 <a:cs typeface="Courier New" panose="02070309020205020404" pitchFamily="49" charset="0"/>
               </a:rPr>
-              <a:t>  I want to make sure that tax and total are calculated correctly</a:t>
-            </a:r>
-            <a:endParaRPr lang="en-US" altLang="en-US" dirty="0">
-              <a:latin typeface="Arial" panose="020B0604020202020204" pitchFamily="34" charset="0"/>
+              <a:t>I want to make sure that tax and total are calculated correctly</a:t>
+            </a:r>
+            <a:endParaRPr lang="en-US" altLang="en-US" sz="2000" dirty="0">
+              <a:latin typeface="Harlow Solid Italic" panose="04030604020F02020D02" pitchFamily="82" charset="0"/>
             </a:endParaRPr>
           </a:p>
           <a:p>
-            <a:endParaRPr lang="en-US" dirty="0"/>
+            <a:endParaRPr lang="en-US" dirty="0">
+              <a:latin typeface="Harlow Solid Italic" panose="04030604020F02020D02" pitchFamily="82" charset="0"/>
+            </a:endParaRPr>
+          </a:p>
+          <a:p>
+            <a:r>
+              <a:rPr lang="en-US" dirty="0">
+                <a:solidFill>
+                  <a:schemeClr val="accent6"/>
+                </a:solidFill>
+                <a:latin typeface="Abadi" panose="020B0604020202020204" pitchFamily="34" charset="0"/>
+              </a:rPr>
+              <a:t>Start Date:         Finish Date:            Date Accepted:</a:t>
+            </a:r>
+          </a:p>
+        </p:txBody>
+      </p:sp>
+      <p:sp>
+        <p:nvSpPr>
+          <p:cNvPr id="10" name="Rectangle 9">
+            <a:extLst>
+              <a:ext uri="{FF2B5EF4-FFF2-40B4-BE49-F238E27FC236}">
+                <a16:creationId xmlns:a16="http://schemas.microsoft.com/office/drawing/2014/main" id="{DE7C464A-CDD6-4F51-8B60-1574000CC3E6}"/>
+              </a:ext>
+            </a:extLst>
+          </p:cNvPr>
+          <p:cNvSpPr/>
+          <p:nvPr/>
+        </p:nvSpPr>
+        <p:spPr>
+          <a:xfrm>
+            <a:off x="10747373" y="-139344"/>
+            <a:ext cx="1444627" cy="923330"/>
+          </a:xfrm>
+          <a:prstGeom prst="rect">
+            <a:avLst/>
+          </a:prstGeom>
+          <a:noFill/>
+        </p:spPr>
+        <p:txBody>
+          <a:bodyPr wrap="none" lIns="91440" tIns="45720" rIns="91440" bIns="45720">
+            <a:spAutoFit/>
+            <a:scene3d>
+              <a:camera prst="orthographicFront"/>
+              <a:lightRig rig="soft" dir="t">
+                <a:rot lat="0" lon="0" rev="15600000"/>
+              </a:lightRig>
+            </a:scene3d>
+            <a:sp3d extrusionH="57150" prstMaterial="softEdge">
+              <a:bevelT w="25400" h="38100"/>
+            </a:sp3d>
+          </a:bodyPr>
+          <a:lstStyle/>
+          <a:p>
+            <a:pPr algn="ctr"/>
+            <a:r>
+              <a:rPr lang="en-US" sz="5400" b="1" cap="none" spc="0" dirty="0">
+                <a:ln/>
+                <a:solidFill>
+                  <a:srgbClr val="B2B2B2"/>
+                </a:solidFill>
+                <a:effectLst/>
+              </a:rPr>
+              <a:t>BDD</a:t>
+            </a:r>
           </a:p>
         </p:txBody>
       </p:sp>
@@ -3935,7 +5049,7 @@
         <p:spPr>
           <a:xfrm>
             <a:off x="1851949" y="2824223"/>
-            <a:ext cx="8611565" cy="1754326"/>
+            <a:ext cx="8611565" cy="1846659"/>
           </a:xfrm>
           <a:prstGeom prst="rect">
             <a:avLst/>
@@ -3949,7 +5063,7 @@
           <a:lstStyle/>
           <a:p>
             <a:r>
-              <a:rPr lang="en-US" dirty="0"/>
+              <a:rPr lang="en-US" sz="2400" b="1" u="sng" dirty="0"/>
               <a:t>Three Amigos  Or Fantastic Four</a:t>
             </a:r>
           </a:p>
@@ -3973,6 +5087,57 @@
           </a:p>
           <a:p>
             <a:endParaRPr lang="en-US" dirty="0"/>
+          </a:p>
+        </p:txBody>
+      </p:sp>
+      <p:sp>
+        <p:nvSpPr>
+          <p:cNvPr id="4" name="Rectangle 3">
+            <a:extLst>
+              <a:ext uri="{FF2B5EF4-FFF2-40B4-BE49-F238E27FC236}">
+                <a16:creationId xmlns:a16="http://schemas.microsoft.com/office/drawing/2014/main" id="{2A72D4F6-CCC4-448C-AC22-8CF844BBB6A9}"/>
+              </a:ext>
+            </a:extLst>
+          </p:cNvPr>
+          <p:cNvSpPr/>
+          <p:nvPr/>
+        </p:nvSpPr>
+        <p:spPr>
+          <a:xfrm>
+            <a:off x="10747373" y="-139344"/>
+            <a:ext cx="1444627" cy="923330"/>
+          </a:xfrm>
+          <a:prstGeom prst="rect">
+            <a:avLst/>
+          </a:prstGeom>
+          <a:noFill/>
+        </p:spPr>
+        <p:txBody>
+          <a:bodyPr wrap="none" lIns="91440" tIns="45720" rIns="91440" bIns="45720">
+            <a:spAutoFit/>
+            <a:scene3d>
+              <a:camera prst="orthographicFront"/>
+              <a:lightRig rig="soft" dir="t">
+                <a:rot lat="0" lon="0" rev="15600000"/>
+              </a:lightRig>
+            </a:scene3d>
+            <a:sp3d extrusionH="57150" prstMaterial="softEdge">
+              <a:bevelT w="25400" h="38100"/>
+            </a:sp3d>
+          </a:bodyPr>
+          <a:lstStyle/>
+          <a:p>
+            <a:pPr algn="ctr"/>
+            <a:r>
+              <a:rPr lang="en-US" sz="5400" b="1" cap="none" spc="0" dirty="0">
+                <a:ln/>
+                <a:solidFill>
+                  <a:srgbClr val="B2B2B2"/>
+                </a:solidFill>
+                <a:effectLst/>
+              </a:rPr>
+              <a:t>BDD</a:t>
+            </a:r>
           </a:p>
         </p:txBody>
       </p:sp>
@@ -4253,6 +5418,92 @@
           </a:p>
         </p:txBody>
       </p:sp>
+      <p:sp>
+        <p:nvSpPr>
+          <p:cNvPr id="7" name="Rectangle 6">
+            <a:extLst>
+              <a:ext uri="{FF2B5EF4-FFF2-40B4-BE49-F238E27FC236}">
+                <a16:creationId xmlns:a16="http://schemas.microsoft.com/office/drawing/2014/main" id="{400A30EF-B090-415B-B46C-2BCD929A0074}"/>
+              </a:ext>
+            </a:extLst>
+          </p:cNvPr>
+          <p:cNvSpPr/>
+          <p:nvPr/>
+        </p:nvSpPr>
+        <p:spPr>
+          <a:xfrm>
+            <a:off x="10747373" y="-139344"/>
+            <a:ext cx="1444627" cy="923330"/>
+          </a:xfrm>
+          <a:prstGeom prst="rect">
+            <a:avLst/>
+          </a:prstGeom>
+          <a:noFill/>
+        </p:spPr>
+        <p:txBody>
+          <a:bodyPr wrap="none" lIns="91440" tIns="45720" rIns="91440" bIns="45720">
+            <a:spAutoFit/>
+            <a:scene3d>
+              <a:camera prst="orthographicFront"/>
+              <a:lightRig rig="soft" dir="t">
+                <a:rot lat="0" lon="0" rev="15600000"/>
+              </a:lightRig>
+            </a:scene3d>
+            <a:sp3d extrusionH="57150" prstMaterial="softEdge">
+              <a:bevelT w="25400" h="38100"/>
+            </a:sp3d>
+          </a:bodyPr>
+          <a:lstStyle/>
+          <a:p>
+            <a:pPr algn="ctr"/>
+            <a:r>
+              <a:rPr lang="en-US" sz="5400" b="1" cap="none" spc="0" dirty="0">
+                <a:ln/>
+                <a:solidFill>
+                  <a:srgbClr val="B2B2B2"/>
+                </a:solidFill>
+                <a:effectLst/>
+              </a:rPr>
+              <a:t>BDD</a:t>
+            </a:r>
+          </a:p>
+        </p:txBody>
+      </p:sp>
+      <p:sp>
+        <p:nvSpPr>
+          <p:cNvPr id="8" name="TextBox 7">
+            <a:extLst>
+              <a:ext uri="{FF2B5EF4-FFF2-40B4-BE49-F238E27FC236}">
+                <a16:creationId xmlns:a16="http://schemas.microsoft.com/office/drawing/2014/main" id="{00A42615-5898-44D0-BE07-4875B82FCD42}"/>
+              </a:ext>
+            </a:extLst>
+          </p:cNvPr>
+          <p:cNvSpPr txBox="1"/>
+          <p:nvPr/>
+        </p:nvSpPr>
+        <p:spPr>
+          <a:xfrm>
+            <a:off x="949124" y="1930400"/>
+            <a:ext cx="5412759" cy="584775"/>
+          </a:xfrm>
+          <a:prstGeom prst="rect">
+            <a:avLst/>
+          </a:prstGeom>
+          <a:noFill/>
+        </p:spPr>
+        <p:txBody>
+          <a:bodyPr wrap="square" rtlCol="0">
+            <a:spAutoFit/>
+          </a:bodyPr>
+          <a:lstStyle/>
+          <a:p>
+            <a:r>
+              <a:rPr lang="en-US" sz="3200" b="1" u="sng" dirty="0"/>
+              <a:t>Scenario</a:t>
+            </a:r>
+          </a:p>
+        </p:txBody>
+      </p:sp>
     </p:spTree>
     <p:extLst>
       <p:ext uri="{BB962C8B-B14F-4D97-AF65-F5344CB8AC3E}">
@@ -4378,7 +5629,7 @@
             </a:pPr>
             <a:r>
               <a:rPr lang="en-US" dirty="0"/>
-              <a:t>About having a conversation</a:t>
+              <a:t>About having conversations</a:t>
             </a:r>
           </a:p>
           <a:p>
@@ -4387,7 +5638,7 @@
             </a:pPr>
             <a:r>
               <a:rPr lang="en-US" dirty="0"/>
-              <a:t>Should make it easier to make software</a:t>
+              <a:t>Should make it easy to create software</a:t>
             </a:r>
           </a:p>
           <a:p>
@@ -4477,6 +5728,57 @@
           <a:p>
             <a:pPr algn="ctr"/>
             <a:endParaRPr lang="en-US" dirty="0"/>
+          </a:p>
+        </p:txBody>
+      </p:sp>
+      <p:sp>
+        <p:nvSpPr>
+          <p:cNvPr id="6" name="Rectangle 5">
+            <a:extLst>
+              <a:ext uri="{FF2B5EF4-FFF2-40B4-BE49-F238E27FC236}">
+                <a16:creationId xmlns:a16="http://schemas.microsoft.com/office/drawing/2014/main" id="{CCD4ECDB-65B0-47F7-B800-9C7B783F5C8D}"/>
+              </a:ext>
+            </a:extLst>
+          </p:cNvPr>
+          <p:cNvSpPr/>
+          <p:nvPr/>
+        </p:nvSpPr>
+        <p:spPr>
+          <a:xfrm>
+            <a:off x="10747373" y="-139344"/>
+            <a:ext cx="1444627" cy="923330"/>
+          </a:xfrm>
+          <a:prstGeom prst="rect">
+            <a:avLst/>
+          </a:prstGeom>
+          <a:noFill/>
+        </p:spPr>
+        <p:txBody>
+          <a:bodyPr wrap="none" lIns="91440" tIns="45720" rIns="91440" bIns="45720">
+            <a:spAutoFit/>
+            <a:scene3d>
+              <a:camera prst="orthographicFront"/>
+              <a:lightRig rig="soft" dir="t">
+                <a:rot lat="0" lon="0" rev="15600000"/>
+              </a:lightRig>
+            </a:scene3d>
+            <a:sp3d extrusionH="57150" prstMaterial="softEdge">
+              <a:bevelT w="25400" h="38100"/>
+            </a:sp3d>
+          </a:bodyPr>
+          <a:lstStyle/>
+          <a:p>
+            <a:pPr algn="ctr"/>
+            <a:r>
+              <a:rPr lang="en-US" sz="5400" b="1" cap="none" spc="0" dirty="0">
+                <a:ln/>
+                <a:solidFill>
+                  <a:srgbClr val="B2B2B2"/>
+                </a:solidFill>
+                <a:effectLst/>
+              </a:rPr>
+              <a:t>BDD</a:t>
+            </a:r>
           </a:p>
         </p:txBody>
       </p:sp>
@@ -4535,15 +5837,7 @@
           <a:p>
             <a:r>
               <a:rPr lang="en-US" dirty="0"/>
-              <a:t>Three common </a:t>
-            </a:r>
-            <a:r>
-              <a:rPr lang="en-US" dirty="0" err="1"/>
-              <a:t>compaints</a:t>
-            </a:r>
-            <a:r>
-              <a:rPr lang="en-US" dirty="0"/>
-              <a:t> </a:t>
+              <a:t>Three common complaints </a:t>
             </a:r>
             <a:r>
               <a:rPr lang="en-US" dirty="0" err="1"/>
@@ -4570,8 +5864,8 @@
         </p:nvSpPr>
         <p:spPr>
           <a:xfrm>
-            <a:off x="838200" y="1921397"/>
-            <a:ext cx="10389243" cy="1200329"/>
+            <a:off x="901378" y="2010297"/>
+            <a:ext cx="10389243" cy="2031325"/>
           </a:xfrm>
           <a:prstGeom prst="rect">
             <a:avLst/>
@@ -4612,6 +5906,66 @@
           </a:p>
           <a:p>
             <a:endParaRPr lang="en-US" dirty="0"/>
+          </a:p>
+          <a:p>
+            <a:endParaRPr lang="en-US" dirty="0"/>
+          </a:p>
+          <a:p>
+            <a:r>
+              <a:rPr lang="en-US" dirty="0"/>
+              <a:t>This can be solved by educating business personnel about the value of BDD by providing training and proof of concepts. </a:t>
+            </a:r>
+          </a:p>
+        </p:txBody>
+      </p:sp>
+      <p:sp>
+        <p:nvSpPr>
+          <p:cNvPr id="4" name="Rectangle 3">
+            <a:extLst>
+              <a:ext uri="{FF2B5EF4-FFF2-40B4-BE49-F238E27FC236}">
+                <a16:creationId xmlns:a16="http://schemas.microsoft.com/office/drawing/2014/main" id="{284E4066-057C-4F27-A737-F641E8273BD7}"/>
+              </a:ext>
+            </a:extLst>
+          </p:cNvPr>
+          <p:cNvSpPr/>
+          <p:nvPr/>
+        </p:nvSpPr>
+        <p:spPr>
+          <a:xfrm>
+            <a:off x="10747373" y="-139344"/>
+            <a:ext cx="1444627" cy="923330"/>
+          </a:xfrm>
+          <a:prstGeom prst="rect">
+            <a:avLst/>
+          </a:prstGeom>
+          <a:noFill/>
+        </p:spPr>
+        <p:txBody>
+          <a:bodyPr wrap="none" lIns="91440" tIns="45720" rIns="91440" bIns="45720">
+            <a:spAutoFit/>
+            <a:scene3d>
+              <a:camera prst="orthographicFront"/>
+              <a:lightRig rig="soft" dir="t">
+                <a:rot lat="0" lon="0" rev="15600000"/>
+              </a:lightRig>
+            </a:scene3d>
+            <a:sp3d extrusionH="57150" prstMaterial="softEdge">
+              <a:bevelT w="25400" h="38100"/>
+            </a:sp3d>
+          </a:bodyPr>
+          <a:lstStyle/>
+          <a:p>
+            <a:pPr algn="ctr"/>
+            <a:r>
+              <a:rPr lang="en-US" sz="5400" b="1" cap="none" spc="0" dirty="0">
+                <a:ln/>
+                <a:solidFill>
+                  <a:srgbClr val="B2B2B2"/>
+                </a:solidFill>
+                <a:effectLst/>
+              </a:rPr>
+              <a:t>BDD</a:t>
+            </a:r>
           </a:p>
         </p:txBody>
       </p:sp>
@@ -4668,7 +6022,7 @@
           <a:p>
             <a:r>
               <a:rPr lang="en-US" dirty="0"/>
-              <a:t>Good and Bad of BDD</a:t>
+              <a:t>Benefits and challenges</a:t>
             </a:r>
           </a:p>
         </p:txBody>
@@ -4687,8 +6041,8 @@
         </p:nvSpPr>
         <p:spPr>
           <a:xfrm>
-            <a:off x="995423" y="2303362"/>
-            <a:ext cx="9988952" cy="2862322"/>
+            <a:off x="995422" y="1960462"/>
+            <a:ext cx="10104377" cy="3416320"/>
           </a:xfrm>
           <a:prstGeom prst="rect">
             <a:avLst/>
@@ -4702,8 +6056,14 @@
           <a:lstStyle/>
           <a:p>
             <a:r>
-              <a:rPr lang="en-US" dirty="0"/>
-              <a:t>Takes a more time to complete a feature, hence development cost looks like more</a:t>
+              <a:rPr lang="en-US" dirty="0">
+                <a:solidFill>
+                  <a:schemeClr val="accent2">
+                    <a:lumMod val="75000"/>
+                  </a:schemeClr>
+                </a:solidFill>
+              </a:rPr>
+              <a:t>Takes a more time to complete a feature, hence looks like expensive as per development cost</a:t>
             </a:r>
           </a:p>
           <a:p>
@@ -4711,7 +6071,13 @@
           </a:p>
           <a:p>
             <a:r>
-              <a:rPr lang="en-US" dirty="0"/>
+              <a:rPr lang="en-US" dirty="0">
+                <a:solidFill>
+                  <a:schemeClr val="accent6">
+                    <a:lumMod val="75000"/>
+                  </a:schemeClr>
+                </a:solidFill>
+              </a:rPr>
               <a:t>Gives developers and business a solid confident about the accuracy and functionality of the application</a:t>
             </a:r>
           </a:p>
@@ -4720,7 +6086,13 @@
           </a:p>
           <a:p>
             <a:r>
-              <a:rPr lang="en-US" dirty="0"/>
+              <a:rPr lang="en-US" dirty="0">
+                <a:solidFill>
+                  <a:schemeClr val="accent2">
+                    <a:lumMod val="75000"/>
+                  </a:schemeClr>
+                </a:solidFill>
+              </a:rPr>
               <a:t>There is a learning curve</a:t>
             </a:r>
           </a:p>
@@ -4729,16 +6101,14 @@
           </a:p>
           <a:p>
             <a:r>
-              <a:rPr lang="en-US" dirty="0"/>
-              <a:t>Open minds of developer and in most of the time they think out of box and </a:t>
-            </a:r>
-            <a:r>
-              <a:rPr lang="en-US" dirty="0" err="1"/>
-              <a:t>aks</a:t>
-            </a:r>
-            <a:r>
-              <a:rPr lang="en-US" dirty="0"/>
-              <a:t> legitimate questions to business during 3-Amigos/ Fantatic-4</a:t>
+              <a:rPr lang="en-US" dirty="0">
+                <a:solidFill>
+                  <a:schemeClr val="accent6">
+                    <a:lumMod val="75000"/>
+                  </a:schemeClr>
+                </a:solidFill>
+              </a:rPr>
+              <a:t>Open minds of developer and in most of the time they think out of box and challenge PO/BA by asking legitimate questions during 3-Amigos/ Fantatic-4</a:t>
             </a:r>
           </a:p>
           <a:p>
@@ -4746,8 +6116,86 @@
           </a:p>
           <a:p>
             <a:r>
-              <a:rPr lang="en-US" dirty="0"/>
+              <a:rPr lang="en-US" dirty="0">
+                <a:solidFill>
+                  <a:schemeClr val="accent2">
+                    <a:lumMod val="75000"/>
+                  </a:schemeClr>
+                </a:solidFill>
+              </a:rPr>
               <a:t>Hard to bring every one on the board</a:t>
+            </a:r>
+          </a:p>
+          <a:p>
+            <a:endParaRPr lang="en-US" dirty="0">
+              <a:solidFill>
+                <a:schemeClr val="accent2">
+                  <a:lumMod val="75000"/>
+                </a:schemeClr>
+              </a:solidFill>
+            </a:endParaRPr>
+          </a:p>
+          <a:p>
+            <a:r>
+              <a:rPr lang="en-US" dirty="0">
+                <a:solidFill>
+                  <a:schemeClr val="accent6">
+                    <a:lumMod val="75000"/>
+                  </a:schemeClr>
+                </a:solidFill>
+              </a:rPr>
+              <a:t>Helps to maintain legacy software with confidence  - (Every application will become legacy after sometime)</a:t>
+            </a:r>
+          </a:p>
+        </p:txBody>
+      </p:sp>
+      <p:sp>
+        <p:nvSpPr>
+          <p:cNvPr id="4" name="Rectangle 3">
+            <a:extLst>
+              <a:ext uri="{FF2B5EF4-FFF2-40B4-BE49-F238E27FC236}">
+                <a16:creationId xmlns:a16="http://schemas.microsoft.com/office/drawing/2014/main" id="{C2E8313C-F731-4157-9B8F-5682649442A9}"/>
+              </a:ext>
+            </a:extLst>
+          </p:cNvPr>
+          <p:cNvSpPr/>
+          <p:nvPr/>
+        </p:nvSpPr>
+        <p:spPr>
+          <a:xfrm>
+            <a:off x="10747373" y="-139344"/>
+            <a:ext cx="1444627" cy="923330"/>
+          </a:xfrm>
+          <a:prstGeom prst="rect">
+            <a:avLst/>
+          </a:prstGeom>
+          <a:noFill/>
+        </p:spPr>
+        <p:txBody>
+          <a:bodyPr wrap="none" lIns="91440" tIns="45720" rIns="91440" bIns="45720">
+            <a:spAutoFit/>
+            <a:scene3d>
+              <a:camera prst="orthographicFront"/>
+              <a:lightRig rig="soft" dir="t">
+                <a:rot lat="0" lon="0" rev="15600000"/>
+              </a:lightRig>
+            </a:scene3d>
+            <a:sp3d extrusionH="57150" prstMaterial="softEdge">
+              <a:bevelT w="25400" h="38100"/>
+            </a:sp3d>
+          </a:bodyPr>
+          <a:lstStyle/>
+          <a:p>
+            <a:pPr algn="ctr"/>
+            <a:r>
+              <a:rPr lang="en-US" sz="5400" b="1" cap="none" spc="0" dirty="0">
+                <a:ln/>
+                <a:solidFill>
+                  <a:srgbClr val="B2B2B2"/>
+                </a:solidFill>
+                <a:effectLst/>
+              </a:rPr>
+              <a:t>BDD</a:t>
             </a:r>
           </a:p>
         </p:txBody>
@@ -4756,6 +6204,190 @@
     <p:extLst>
       <p:ext uri="{BB962C8B-B14F-4D97-AF65-F5344CB8AC3E}">
         <p14:creationId xmlns:p14="http://schemas.microsoft.com/office/powerpoint/2010/main" val="3620148148"/>
+      </p:ext>
+    </p:extLst>
+  </p:cSld>
+  <p:clrMapOvr>
+    <a:masterClrMapping/>
+  </p:clrMapOvr>
+</p:sld>
+</file>
+
+<file path=ppt/slides/slide9.xml><?xml version="1.0" encoding="utf-8"?>
+<p:sld xmlns:a="http://schemas.openxmlformats.org/drawingml/2006/main" xmlns:r="http://schemas.openxmlformats.org/officeDocument/2006/relationships" xmlns:p="http://schemas.openxmlformats.org/presentationml/2006/main">
+  <p:cSld>
+    <p:spTree>
+      <p:nvGrpSpPr>
+        <p:cNvPr id="1" name=""/>
+        <p:cNvGrpSpPr/>
+        <p:nvPr/>
+      </p:nvGrpSpPr>
+      <p:grpSpPr>
+        <a:xfrm>
+          <a:off x="0" y="0"/>
+          <a:ext cx="0" cy="0"/>
+          <a:chOff x="0" y="0"/>
+          <a:chExt cx="0" cy="0"/>
+        </a:xfrm>
+      </p:grpSpPr>
+      <p:sp>
+        <p:nvSpPr>
+          <p:cNvPr id="2" name="Title 1">
+            <a:extLst>
+              <a:ext uri="{FF2B5EF4-FFF2-40B4-BE49-F238E27FC236}">
+                <a16:creationId xmlns:a16="http://schemas.microsoft.com/office/drawing/2014/main" id="{ABA9FBFE-9996-4F17-8FD9-ADD87D0494BC}"/>
+              </a:ext>
+            </a:extLst>
+          </p:cNvPr>
+          <p:cNvSpPr>
+            <a:spLocks noGrp="1"/>
+          </p:cNvSpPr>
+          <p:nvPr>
+            <p:ph type="title"/>
+          </p:nvPr>
+        </p:nvSpPr>
+        <p:spPr/>
+        <p:txBody>
+          <a:bodyPr/>
+          <a:lstStyle/>
+          <a:p>
+            <a:r>
+              <a:rPr lang="en-US" dirty="0"/>
+              <a:t>Questions/Comments/Feedback</a:t>
+            </a:r>
+          </a:p>
+        </p:txBody>
+      </p:sp>
+      <p:sp>
+        <p:nvSpPr>
+          <p:cNvPr id="3" name="Title 1">
+            <a:extLst>
+              <a:ext uri="{FF2B5EF4-FFF2-40B4-BE49-F238E27FC236}">
+                <a16:creationId xmlns:a16="http://schemas.microsoft.com/office/drawing/2014/main" id="{2C503C83-A020-4876-ADCA-2C491D2C074A}"/>
+              </a:ext>
+            </a:extLst>
+          </p:cNvPr>
+          <p:cNvSpPr txBox="1">
+            <a:spLocks/>
+          </p:cNvSpPr>
+          <p:nvPr/>
+        </p:nvSpPr>
+        <p:spPr>
+          <a:xfrm>
+            <a:off x="676469" y="2766218"/>
+            <a:ext cx="10515600" cy="1325563"/>
+          </a:xfrm>
+          <a:prstGeom prst="rect">
+            <a:avLst/>
+          </a:prstGeom>
+        </p:spPr>
+        <p:txBody>
+          <a:bodyPr vert="horz" lIns="91440" tIns="45720" rIns="91440" bIns="45720" rtlCol="0" anchor="ctr">
+            <a:normAutofit/>
+          </a:bodyPr>
+          <a:lstStyle>
+            <a:lvl1pPr algn="ctr" defTabSz="914400" rtl="0" eaLnBrk="1" latinLnBrk="0" hangingPunct="1">
+              <a:lnSpc>
+                <a:spcPct val="90000"/>
+              </a:lnSpc>
+              <a:spcBef>
+                <a:spcPct val="0"/>
+              </a:spcBef>
+              <a:buNone/>
+              <a:defRPr sz="6000" b="1" kern="1200">
+                <a:solidFill>
+                  <a:srgbClr val="FF6600"/>
+                </a:solidFill>
+                <a:latin typeface="+mj-lt"/>
+                <a:ea typeface="+mj-ea"/>
+                <a:cs typeface="+mj-cs"/>
+              </a:defRPr>
+            </a:lvl1pPr>
+          </a:lstStyle>
+          <a:p>
+            <a:r>
+              <a:rPr lang="en-US" dirty="0"/>
+              <a:t>? </a:t>
+            </a:r>
+          </a:p>
+        </p:txBody>
+      </p:sp>
+      <p:sp>
+        <p:nvSpPr>
+          <p:cNvPr id="4" name="Title 1">
+            <a:extLst>
+              <a:ext uri="{FF2B5EF4-FFF2-40B4-BE49-F238E27FC236}">
+                <a16:creationId xmlns:a16="http://schemas.microsoft.com/office/drawing/2014/main" id="{88432DAB-45FA-472C-938A-AEA53D334E1D}"/>
+              </a:ext>
+            </a:extLst>
+          </p:cNvPr>
+          <p:cNvSpPr txBox="1">
+            <a:spLocks/>
+          </p:cNvSpPr>
+          <p:nvPr/>
+        </p:nvSpPr>
+        <p:spPr>
+          <a:xfrm>
+            <a:off x="676469" y="3923214"/>
+            <a:ext cx="10515600" cy="1325563"/>
+          </a:xfrm>
+          <a:prstGeom prst="rect">
+            <a:avLst/>
+          </a:prstGeom>
+        </p:spPr>
+        <p:txBody>
+          <a:bodyPr vert="horz" lIns="91440" tIns="45720" rIns="91440" bIns="45720" rtlCol="0" anchor="ctr">
+            <a:normAutofit/>
+          </a:bodyPr>
+          <a:lstStyle>
+            <a:lvl1pPr algn="ctr" defTabSz="914400" rtl="0" eaLnBrk="1" latinLnBrk="0" hangingPunct="1">
+              <a:lnSpc>
+                <a:spcPct val="90000"/>
+              </a:lnSpc>
+              <a:spcBef>
+                <a:spcPct val="0"/>
+              </a:spcBef>
+              <a:buNone/>
+              <a:defRPr sz="6000" b="1" kern="1200">
+                <a:solidFill>
+                  <a:srgbClr val="FF6600"/>
+                </a:solidFill>
+                <a:latin typeface="+mj-lt"/>
+                <a:ea typeface="+mj-ea"/>
+                <a:cs typeface="+mj-cs"/>
+              </a:defRPr>
+            </a:lvl1pPr>
+          </a:lstStyle>
+          <a:p>
+            <a:r>
+              <a:rPr lang="en-US" sz="2400" dirty="0">
+                <a:solidFill>
+                  <a:schemeClr val="accent6">
+                    <a:lumMod val="75000"/>
+                  </a:schemeClr>
+                </a:solidFill>
+              </a:rPr>
+              <a:t>Kiran Koirala </a:t>
+            </a:r>
+          </a:p>
+          <a:p>
+            <a:r>
+              <a:rPr lang="en-US" sz="2400" dirty="0">
+                <a:solidFill>
+                  <a:schemeClr val="accent6">
+                    <a:lumMod val="75000"/>
+                  </a:schemeClr>
+                </a:solidFill>
+              </a:rPr>
+              <a:t>Kiran.Koirala@solera.com</a:t>
+            </a:r>
+          </a:p>
+        </p:txBody>
+      </p:sp>
+    </p:spTree>
+    <p:extLst>
+      <p:ext uri="{BB962C8B-B14F-4D97-AF65-F5344CB8AC3E}">
+        <p14:creationId xmlns:p14="http://schemas.microsoft.com/office/powerpoint/2010/main" val="2319992497"/>
       </p:ext>
     </p:extLst>
   </p:cSld>
@@ -5058,4 +6690,299 @@
     </a:ext>
   </a:extLst>
 </a:theme>
+</file>
+
+<file path=ppt/theme/theme2.xml><?xml version="1.0" encoding="utf-8"?>
+<a:theme xmlns:a="http://schemas.openxmlformats.org/drawingml/2006/main" name="Office Theme">
+  <a:themeElements>
+    <a:clrScheme name="Office">
+      <a:dk1>
+        <a:sysClr val="windowText" lastClr="000000"/>
+      </a:dk1>
+      <a:lt1>
+        <a:sysClr val="window" lastClr="FFFFFF"/>
+      </a:lt1>
+      <a:dk2>
+        <a:srgbClr val="44546A"/>
+      </a:dk2>
+      <a:lt2>
+        <a:srgbClr val="E7E6E6"/>
+      </a:lt2>
+      <a:accent1>
+        <a:srgbClr val="4472C4"/>
+      </a:accent1>
+      <a:accent2>
+        <a:srgbClr val="ED7D31"/>
+      </a:accent2>
+      <a:accent3>
+        <a:srgbClr val="A5A5A5"/>
+      </a:accent3>
+      <a:accent4>
+        <a:srgbClr val="FFC000"/>
+      </a:accent4>
+      <a:accent5>
+        <a:srgbClr val="5B9BD5"/>
+      </a:accent5>
+      <a:accent6>
+        <a:srgbClr val="70AD47"/>
+      </a:accent6>
+      <a:hlink>
+        <a:srgbClr val="0563C1"/>
+      </a:hlink>
+      <a:folHlink>
+        <a:srgbClr val="954F72"/>
+      </a:folHlink>
+    </a:clrScheme>
+    <a:fontScheme name="Office">
+      <a:majorFont>
+        <a:latin typeface="Calibri Light" panose="020F0302020204030204"/>
+        <a:ea typeface=""/>
+        <a:cs typeface=""/>
+        <a:font script="Jpan" typeface="游ゴシック Light"/>
+        <a:font script="Hang" typeface="맑은 고딕"/>
+        <a:font script="Hans" typeface="等线 Light"/>
+        <a:font script="Hant" typeface="新細明體"/>
+        <a:font script="Arab" typeface="Times New Roman"/>
+        <a:font script="Hebr" typeface="Times New Roman"/>
+        <a:font script="Thai" typeface="Angsana New"/>
+        <a:font script="Ethi" typeface="Nyala"/>
+        <a:font script="Beng" typeface="Vrinda"/>
+        <a:font script="Gujr" typeface="Shruti"/>
+        <a:font script="Khmr" typeface="MoolBoran"/>
+        <a:font script="Knda" typeface="Tunga"/>
+        <a:font script="Guru" typeface="Raavi"/>
+        <a:font script="Cans" typeface="Euphemia"/>
+        <a:font script="Cher" typeface="Plantagenet Cherokee"/>
+        <a:font script="Yiii" typeface="Microsoft Yi Baiti"/>
+        <a:font script="Tibt" typeface="Microsoft Himalaya"/>
+        <a:font script="Thaa" typeface="MV Boli"/>
+        <a:font script="Deva" typeface="Mangal"/>
+        <a:font script="Telu" typeface="Gautami"/>
+        <a:font script="Taml" typeface="Latha"/>
+        <a:font script="Syrc" typeface="Estrangelo Edessa"/>
+        <a:font script="Orya" typeface="Kalinga"/>
+        <a:font script="Mlym" typeface="Kartika"/>
+        <a:font script="Laoo" typeface="DokChampa"/>
+        <a:font script="Sinh" typeface="Iskoola Pota"/>
+        <a:font script="Mong" typeface="Mongolian Baiti"/>
+        <a:font script="Viet" typeface="Times New Roman"/>
+        <a:font script="Uigh" typeface="Microsoft Uighur"/>
+        <a:font script="Geor" typeface="Sylfaen"/>
+        <a:font script="Armn" typeface="Arial"/>
+        <a:font script="Bugi" typeface="Leelawadee UI"/>
+        <a:font script="Bopo" typeface="Microsoft JhengHei"/>
+        <a:font script="Java" typeface="Javanese Text"/>
+        <a:font script="Lisu" typeface="Segoe UI"/>
+        <a:font script="Mymr" typeface="Myanmar Text"/>
+        <a:font script="Nkoo" typeface="Ebrima"/>
+        <a:font script="Olck" typeface="Nirmala UI"/>
+        <a:font script="Osma" typeface="Ebrima"/>
+        <a:font script="Phag" typeface="Phagspa"/>
+        <a:font script="Syrn" typeface="Estrangelo Edessa"/>
+        <a:font script="Syrj" typeface="Estrangelo Edessa"/>
+        <a:font script="Syre" typeface="Estrangelo Edessa"/>
+        <a:font script="Sora" typeface="Nirmala UI"/>
+        <a:font script="Tale" typeface="Microsoft Tai Le"/>
+        <a:font script="Talu" typeface="Microsoft New Tai Lue"/>
+        <a:font script="Tfng" typeface="Ebrima"/>
+      </a:majorFont>
+      <a:minorFont>
+        <a:latin typeface="Calibri" panose="020F0502020204030204"/>
+        <a:ea typeface=""/>
+        <a:cs typeface=""/>
+        <a:font script="Jpan" typeface="游ゴシック"/>
+        <a:font script="Hang" typeface="맑은 고딕"/>
+        <a:font script="Hans" typeface="等线"/>
+        <a:font script="Hant" typeface="新細明體"/>
+        <a:font script="Arab" typeface="Arial"/>
+        <a:font script="Hebr" typeface="Arial"/>
+        <a:font script="Thai" typeface="Cordia New"/>
+        <a:font script="Ethi" typeface="Nyala"/>
+        <a:font script="Beng" typeface="Vrinda"/>
+        <a:font script="Gujr" typeface="Shruti"/>
+        <a:font script="Khmr" typeface="DaunPenh"/>
+        <a:font script="Knda" typeface="Tunga"/>
+        <a:font script="Guru" typeface="Raavi"/>
+        <a:font script="Cans" typeface="Euphemia"/>
+        <a:font script="Cher" typeface="Plantagenet Cherokee"/>
+        <a:font script="Yiii" typeface="Microsoft Yi Baiti"/>
+        <a:font script="Tibt" typeface="Microsoft Himalaya"/>
+        <a:font script="Thaa" typeface="MV Boli"/>
+        <a:font script="Deva" typeface="Mangal"/>
+        <a:font script="Telu" typeface="Gautami"/>
+        <a:font script="Taml" typeface="Latha"/>
+        <a:font script="Syrc" typeface="Estrangelo Edessa"/>
+        <a:font script="Orya" typeface="Kalinga"/>
+        <a:font script="Mlym" typeface="Kartika"/>
+        <a:font script="Laoo" typeface="DokChampa"/>
+        <a:font script="Sinh" typeface="Iskoola Pota"/>
+        <a:font script="Mong" typeface="Mongolian Baiti"/>
+        <a:font script="Viet" typeface="Arial"/>
+        <a:font script="Uigh" typeface="Microsoft Uighur"/>
+        <a:font script="Geor" typeface="Sylfaen"/>
+        <a:font script="Armn" typeface="Arial"/>
+        <a:font script="Bugi" typeface="Leelawadee UI"/>
+        <a:font script="Bopo" typeface="Microsoft JhengHei"/>
+        <a:font script="Java" typeface="Javanese Text"/>
+        <a:font script="Lisu" typeface="Segoe UI"/>
+        <a:font script="Mymr" typeface="Myanmar Text"/>
+        <a:font script="Nkoo" typeface="Ebrima"/>
+        <a:font script="Olck" typeface="Nirmala UI"/>
+        <a:font script="Osma" typeface="Ebrima"/>
+        <a:font script="Phag" typeface="Phagspa"/>
+        <a:font script="Syrn" typeface="Estrangelo Edessa"/>
+        <a:font script="Syrj" typeface="Estrangelo Edessa"/>
+        <a:font script="Syre" typeface="Estrangelo Edessa"/>
+        <a:font script="Sora" typeface="Nirmala UI"/>
+        <a:font script="Tale" typeface="Microsoft Tai Le"/>
+        <a:font script="Talu" typeface="Microsoft New Tai Lue"/>
+        <a:font script="Tfng" typeface="Ebrima"/>
+      </a:minorFont>
+    </a:fontScheme>
+    <a:fmtScheme name="Office">
+      <a:fillStyleLst>
+        <a:solidFill>
+          <a:schemeClr val="phClr"/>
+        </a:solidFill>
+        <a:gradFill rotWithShape="1">
+          <a:gsLst>
+            <a:gs pos="0">
+              <a:schemeClr val="phClr">
+                <a:lumMod val="110000"/>
+                <a:satMod val="105000"/>
+                <a:tint val="67000"/>
+              </a:schemeClr>
+            </a:gs>
+            <a:gs pos="50000">
+              <a:schemeClr val="phClr">
+                <a:lumMod val="105000"/>
+                <a:satMod val="103000"/>
+                <a:tint val="73000"/>
+              </a:schemeClr>
+            </a:gs>
+            <a:gs pos="100000">
+              <a:schemeClr val="phClr">
+                <a:lumMod val="105000"/>
+                <a:satMod val="109000"/>
+                <a:tint val="81000"/>
+              </a:schemeClr>
+            </a:gs>
+          </a:gsLst>
+          <a:lin ang="5400000" scaled="0"/>
+        </a:gradFill>
+        <a:gradFill rotWithShape="1">
+          <a:gsLst>
+            <a:gs pos="0">
+              <a:schemeClr val="phClr">
+                <a:satMod val="103000"/>
+                <a:lumMod val="102000"/>
+                <a:tint val="94000"/>
+              </a:schemeClr>
+            </a:gs>
+            <a:gs pos="50000">
+              <a:schemeClr val="phClr">
+                <a:satMod val="110000"/>
+                <a:lumMod val="100000"/>
+                <a:shade val="100000"/>
+              </a:schemeClr>
+            </a:gs>
+            <a:gs pos="100000">
+              <a:schemeClr val="phClr">
+                <a:lumMod val="99000"/>
+                <a:satMod val="120000"/>
+                <a:shade val="78000"/>
+              </a:schemeClr>
+            </a:gs>
+          </a:gsLst>
+          <a:lin ang="5400000" scaled="0"/>
+        </a:gradFill>
+      </a:fillStyleLst>
+      <a:lnStyleLst>
+        <a:ln w="6350" cap="flat" cmpd="sng" algn="ctr">
+          <a:solidFill>
+            <a:schemeClr val="phClr"/>
+          </a:solidFill>
+          <a:prstDash val="solid"/>
+          <a:miter lim="800000"/>
+        </a:ln>
+        <a:ln w="12700" cap="flat" cmpd="sng" algn="ctr">
+          <a:solidFill>
+            <a:schemeClr val="phClr"/>
+          </a:solidFill>
+          <a:prstDash val="solid"/>
+          <a:miter lim="800000"/>
+        </a:ln>
+        <a:ln w="19050" cap="flat" cmpd="sng" algn="ctr">
+          <a:solidFill>
+            <a:schemeClr val="phClr"/>
+          </a:solidFill>
+          <a:prstDash val="solid"/>
+          <a:miter lim="800000"/>
+        </a:ln>
+      </a:lnStyleLst>
+      <a:effectStyleLst>
+        <a:effectStyle>
+          <a:effectLst/>
+        </a:effectStyle>
+        <a:effectStyle>
+          <a:effectLst/>
+        </a:effectStyle>
+        <a:effectStyle>
+          <a:effectLst>
+            <a:outerShdw blurRad="57150" dist="19050" dir="5400000" algn="ctr" rotWithShape="0">
+              <a:srgbClr val="000000">
+                <a:alpha val="63000"/>
+              </a:srgbClr>
+            </a:outerShdw>
+          </a:effectLst>
+        </a:effectStyle>
+      </a:effectStyleLst>
+      <a:bgFillStyleLst>
+        <a:solidFill>
+          <a:schemeClr val="phClr"/>
+        </a:solidFill>
+        <a:solidFill>
+          <a:schemeClr val="phClr">
+            <a:tint val="95000"/>
+            <a:satMod val="170000"/>
+          </a:schemeClr>
+        </a:solidFill>
+        <a:gradFill rotWithShape="1">
+          <a:gsLst>
+            <a:gs pos="0">
+              <a:schemeClr val="phClr">
+                <a:tint val="93000"/>
+                <a:satMod val="150000"/>
+                <a:shade val="98000"/>
+                <a:lumMod val="102000"/>
+              </a:schemeClr>
+            </a:gs>
+            <a:gs pos="50000">
+              <a:schemeClr val="phClr">
+                <a:tint val="98000"/>
+                <a:satMod val="130000"/>
+                <a:shade val="90000"/>
+                <a:lumMod val="103000"/>
+              </a:schemeClr>
+            </a:gs>
+            <a:gs pos="100000">
+              <a:schemeClr val="phClr">
+                <a:shade val="63000"/>
+                <a:satMod val="120000"/>
+              </a:schemeClr>
+            </a:gs>
+          </a:gsLst>
+          <a:lin ang="5400000" scaled="0"/>
+        </a:gradFill>
+      </a:bgFillStyleLst>
+    </a:fmtScheme>
+  </a:themeElements>
+  <a:objectDefaults/>
+  <a:extraClrSchemeLst/>
+  <a:extLst>
+    <a:ext uri="{05A4C25C-085E-4340-85A3-A5531E510DB2}">
+      <thm15:themeFamily xmlns:thm15="http://schemas.microsoft.com/office/thememl/2012/main" name="Office Theme" id="{62F939B6-93AF-4DB8-9C6B-D6C7DFDC589F}" vid="{4A3C46E8-61CC-4603-A589-7422A47A8E4A}"/>
+    </a:ext>
+  </a:extLst>
+</a:theme>
 </file>